--- a/Team_B1_OOP base cmd mini project/ppt draft02_20210627_이윤성.pptx
+++ b/Team_B1_OOP base cmd mini project/ppt draft02_20210627_이윤성.pptx
@@ -2,11 +2,11 @@
 <file path=ppt/presentation.xml><?xml version="1.0" encoding="utf-8"?>
 <p:presentation xmlns:a="http://schemas.openxmlformats.org/drawingml/2006/main" xmlns:r="http://schemas.openxmlformats.org/officeDocument/2006/relationships" xmlns:p="http://schemas.openxmlformats.org/presentationml/2006/main" xmlns:p14="http://schemas.microsoft.com/office/powerpoint/2010/main" saveSubsetFonts="1">
   <p:sldMasterIdLst>
-    <p:sldMasterId id="2147486342" r:id="rId57"/>
-    <p:sldMasterId id="2147486343" r:id="rId59"/>
-    <p:sldMasterId id="2147486344" r:id="rId61"/>
-    <p:sldMasterId id="2147486345" r:id="rId63"/>
-    <p:sldMasterId id="2147486346" r:id="rId65"/>
+    <p:sldMasterId id="2147486357" r:id="rId57"/>
+    <p:sldMasterId id="2147486358" r:id="rId59"/>
+    <p:sldMasterId id="2147486359" r:id="rId61"/>
+    <p:sldMasterId id="2147486360" r:id="rId63"/>
+    <p:sldMasterId id="2147486361" r:id="rId65"/>
   </p:sldMasterIdLst>
   <p:sldIdLst>
     <p:sldId id="260" r:id="rId67"/>
@@ -138,47 +138,47 @@
   <p:extLst>
     <p:ext uri="{EFAFB233-063F-42B5-8137-9DF3F51BA10A}">
       <p15:sldGuideLst xmlns:p15="http://schemas.microsoft.com/office/powerpoint/2012/main">
-        <p15:guide id="1" orient="horz" pos="2157" userDrawn="1">
+        <p15:guide id="1" orient="horz" pos="2156" userDrawn="1">
           <p15:clr>
             <a:srgbClr val="A4A3A4"/>
           </p15:clr>
         </p15:guide>
-        <p15:guide id="2" pos="3837" userDrawn="1">
+        <p15:guide id="2" pos="3836" userDrawn="1">
           <p15:clr>
             <a:srgbClr val="A4A3A4"/>
           </p15:clr>
         </p15:guide>
-        <p15:guide id="3" pos="163" userDrawn="1">
+        <p15:guide id="3" pos="162" userDrawn="1">
           <p15:clr>
             <a:srgbClr val="A4A3A4"/>
           </p15:clr>
         </p15:guide>
-        <p15:guide id="4" pos="7511" userDrawn="1">
+        <p15:guide id="4" pos="7510" userDrawn="1">
           <p15:clr>
             <a:srgbClr val="A4A3A4"/>
           </p15:clr>
         </p15:guide>
-        <p15:guide id="5" orient="horz" pos="411" userDrawn="1">
+        <p15:guide id="5" orient="horz" pos="410" userDrawn="1">
           <p15:clr>
             <a:srgbClr val="A4A3A4"/>
           </p15:clr>
         </p15:guide>
-        <p15:guide id="6" orient="horz" pos="4153" userDrawn="1">
+        <p15:guide id="6" orient="horz" pos="4152" userDrawn="1">
           <p15:clr>
             <a:srgbClr val="A4A3A4"/>
           </p15:clr>
         </p15:guide>
-        <p15:guide id="7" orient="horz" pos="547" userDrawn="1">
+        <p15:guide id="7" orient="horz" pos="546" userDrawn="1">
           <p15:clr>
             <a:srgbClr val="A4A3A4"/>
           </p15:clr>
         </p15:guide>
-        <p15:guide id="8" orient="horz" pos="524" userDrawn="1">
+        <p15:guide id="8" orient="horz" pos="523" userDrawn="1">
           <p15:clr>
             <a:srgbClr val="A4A3A4"/>
           </p15:clr>
         </p15:guide>
-        <p15:guide id="9" pos="3338" userDrawn="1">
+        <p15:guide id="9" pos="3337" userDrawn="1">
           <p15:clr>
             <a:srgbClr val="A4A3A4"/>
           </p15:clr>
@@ -30070,28 +30070,29 @@
       </p:sp>
       <p:pic>
         <p:nvPicPr>
-          <p:cNvPr id="3" name="Picture " descr="C:/Users/Yun/AppData/Roaming/PolarisOffice/ETemp/14512_20636728/fImage747573884464.png"/>
+          <p:cNvPr id="3" name="Picture " descr="C:/Users/Yun/AppData/Roaming/PolarisOffice/ETemp/9628_17751744/fImage602809041.png"/>
           <p:cNvPicPr>
             <a:picLocks noChangeAspect="1"/>
           </p:cNvPicPr>
           <p:nvPr/>
         </p:nvPicPr>
         <p:blipFill rotWithShape="1">
-          <a:blip r:embed="rId2" cstate="hqprint">
+          <a:blip r:embed="rId3" cstate="print">
             <a:extLst>
               <a:ext uri="{28A0092B-C50C-407E-A947-70E740481C1C}">
-                <a14:useLocalDpi xmlns:a14="http://schemas.microsoft.com/office/drawing/2010/main"/>
+                <a14:useLocalDpi xmlns:a14="http://schemas.microsoft.com/office/drawing/2010/main" val="0"/>
               </a:ext>
             </a:extLst>
           </a:blip>
+          <a:srcRect/>
           <a:stretch>
             <a:fillRect/>
           </a:stretch>
         </p:blipFill>
         <p:spPr>
           <a:xfrm rot="0">
-            <a:off x="449580" y="1249680"/>
-            <a:ext cx="11254105" cy="5303520"/>
+            <a:off x="1105535" y="1249680"/>
+            <a:ext cx="10031730" cy="5304155"/>
           </a:xfrm>
           <a:prstGeom prst="rect"/>
           <a:noFill/>
@@ -30223,28 +30224,29 @@
       </p:sp>
       <p:pic>
         <p:nvPicPr>
-          <p:cNvPr id="3" name="Picture " descr="C:/Users/Yun/AppData/Roaming/PolarisOffice/ETemp/14512_20636728/fImage734283905705.png"/>
+          <p:cNvPr id="3" name="Picture " descr="C:/Users/Yun/AppData/Roaming/PolarisOffice/ETemp/9628_17751744/fImage65633948467.png"/>
           <p:cNvPicPr>
             <a:picLocks noChangeAspect="1"/>
           </p:cNvPicPr>
           <p:nvPr/>
         </p:nvPicPr>
         <p:blipFill rotWithShape="1">
-          <a:blip r:embed="rId2" cstate="hqprint">
+          <a:blip r:embed="rId3" cstate="print">
             <a:extLst>
               <a:ext uri="{28A0092B-C50C-407E-A947-70E740481C1C}">
-                <a14:useLocalDpi xmlns:a14="http://schemas.microsoft.com/office/drawing/2010/main"/>
+                <a14:useLocalDpi xmlns:a14="http://schemas.microsoft.com/office/drawing/2010/main" val="0"/>
               </a:ext>
             </a:extLst>
           </a:blip>
+          <a:srcRect/>
           <a:stretch>
             <a:fillRect/>
           </a:stretch>
         </p:blipFill>
         <p:spPr>
           <a:xfrm rot="0">
-            <a:off x="746125" y="1276985"/>
-            <a:ext cx="10561955" cy="5455920"/>
+            <a:off x="1870075" y="1276985"/>
+            <a:ext cx="8682990" cy="5456555"/>
           </a:xfrm>
           <a:prstGeom prst="rect"/>
           <a:noFill/>
@@ -30376,28 +30378,29 @@
       </p:sp>
       <p:pic>
         <p:nvPicPr>
-          <p:cNvPr id="3" name="그림 18" descr="C:/Users/Yun/AppData/Roaming/PolarisOffice/ETemp/14512_20636728/fImage481433848145.png"/>
+          <p:cNvPr id="3" name="그림 18" descr="C:/Users/Yun/AppData/Roaming/PolarisOffice/ETemp/9628_17751744/fImage48311986334.png"/>
           <p:cNvPicPr>
             <a:picLocks noChangeAspect="1"/>
           </p:cNvPicPr>
           <p:nvPr/>
         </p:nvPicPr>
         <p:blipFill rotWithShape="1">
-          <a:blip r:embed="rId2" cstate="hqprint">
+          <a:blip r:embed="rId3" cstate="print">
             <a:extLst>
               <a:ext uri="{28A0092B-C50C-407E-A947-70E740481C1C}">
-                <a14:useLocalDpi xmlns:a14="http://schemas.microsoft.com/office/drawing/2010/main"/>
+                <a14:useLocalDpi xmlns:a14="http://schemas.microsoft.com/office/drawing/2010/main" val="0"/>
               </a:ext>
             </a:extLst>
           </a:blip>
+          <a:srcRect/>
           <a:stretch>
             <a:fillRect/>
           </a:stretch>
         </p:blipFill>
         <p:spPr>
           <a:xfrm rot="0">
-            <a:off x="1384300" y="1348740"/>
-            <a:ext cx="9213850" cy="5393055"/>
+            <a:off x="1357630" y="1348740"/>
+            <a:ext cx="9429115" cy="5393055"/>
           </a:xfrm>
           <a:prstGeom prst="rect"/>
           <a:noFill/>
